--- a/ch16/第16章 网络编程.pptx
+++ b/ch16/第16章 网络编程.pptx
@@ -10071,11 +10071,7 @@
             </a:r>
             <a:r>
               <a:rPr lang="zh-CN" altLang="en-US" dirty="0" smtClean="0"/>
-              <a:t>章  网络</a:t>
-            </a:r>
-            <a:r>
-              <a:rPr lang="zh-CN" altLang="en-US" dirty="0" smtClean="0"/>
-              <a:t>编程</a:t>
+              <a:t>章  网络编程</a:t>
             </a:r>
             <a:endParaRPr lang="zh-CN" altLang="en-US" dirty="0"/>
           </a:p>
@@ -16276,8 +16272,8 @@
         </p:nvSpPr>
         <p:spPr>
           <a:xfrm>
-            <a:off x="4295800" y="1160749"/>
-            <a:ext cx="5040560" cy="4965415"/>
+            <a:off x="609600" y="1160749"/>
+            <a:ext cx="8726760" cy="4965415"/>
           </a:xfrm>
         </p:spPr>
         <p:txBody>
@@ -30089,11 +30085,7 @@
           <a:lstStyle/>
           <a:p>
             <a:r>
-              <a:rPr lang="zh-CN" altLang="en-US" dirty="0" smtClean="0">
-                <a:solidFill>
-                  <a:srgbClr val="FF0000"/>
-                </a:solidFill>
-              </a:rPr>
+              <a:rPr lang="zh-CN" altLang="en-US" dirty="0"/>
               <a:t>单</a:t>
             </a:r>
             <a:r>
@@ -30101,11 +30093,7 @@
               <a:t>服务器端接收</a:t>
             </a:r>
             <a:r>
-              <a:rPr lang="zh-CN" altLang="en-US" dirty="0" smtClean="0">
-                <a:solidFill>
-                  <a:srgbClr val="FF0000"/>
-                </a:solidFill>
-              </a:rPr>
+              <a:rPr lang="zh-CN" altLang="en-US" dirty="0"/>
               <a:t>多</a:t>
             </a:r>
             <a:r>
@@ -30451,6 +30439,26 @@
                 <a:latin typeface="微软雅黑" pitchFamily="34" charset="-122"/>
                 <a:ea typeface="宋体" pitchFamily="2" charset="-122"/>
               </a:rPr>
+              <a:t> </a:t>
+            </a:r>
+            <a:r>
+              <a:rPr lang="en-US" altLang="zh-CN" sz="1800" kern="0" dirty="0" smtClean="0">
+                <a:solidFill>
+                  <a:schemeClr val="tx1"/>
+                </a:solidFill>
+                <a:latin typeface="微软雅黑" pitchFamily="34" charset="-122"/>
+                <a:ea typeface="宋体" pitchFamily="2" charset="-122"/>
+              </a:rPr>
+              <a:t>   </a:t>
+            </a:r>
+            <a:r>
+              <a:rPr lang="en-US" altLang="zh-CN" sz="1800" kern="0" dirty="0" smtClean="0">
+                <a:solidFill>
+                  <a:schemeClr val="tx1"/>
+                </a:solidFill>
+                <a:latin typeface="微软雅黑" pitchFamily="34" charset="-122"/>
+                <a:ea typeface="宋体" pitchFamily="2" charset="-122"/>
+              </a:rPr>
               <a:t>// </a:t>
             </a:r>
             <a:r>
@@ -30471,14 +30479,14 @@
               </a:spcBef>
             </a:pPr>
             <a:r>
-              <a:rPr lang="en-US" altLang="zh-CN" sz="1800" kern="0" dirty="0" err="1">
-                <a:solidFill>
-                  <a:schemeClr val="tx1"/>
-                </a:solidFill>
-                <a:latin typeface="微软雅黑" pitchFamily="34" charset="-122"/>
-                <a:ea typeface="宋体" pitchFamily="2" charset="-122"/>
-              </a:rPr>
-              <a:t>System.out.println</a:t>
+              <a:rPr lang="en-US" altLang="zh-CN" sz="1800" kern="0" dirty="0" smtClean="0">
+                <a:solidFill>
+                  <a:schemeClr val="tx1"/>
+                </a:solidFill>
+                <a:latin typeface="微软雅黑" pitchFamily="34" charset="-122"/>
+                <a:ea typeface="宋体" pitchFamily="2" charset="-122"/>
+              </a:rPr>
+              <a:t>    System.out.println</a:t>
             </a:r>
             <a:r>
               <a:rPr lang="en-US" altLang="zh-CN" sz="1800" kern="0" dirty="0">
@@ -30498,6 +30506,16 @@
               </a:spcBef>
             </a:pPr>
             <a:r>
+              <a:rPr lang="en-US" altLang="zh-CN" sz="1800" kern="0" dirty="0" smtClean="0">
+                <a:solidFill>
+                  <a:schemeClr val="tx1"/>
+                </a:solidFill>
+                <a:latin typeface="微软雅黑" pitchFamily="34" charset="-122"/>
+                <a:ea typeface="宋体" pitchFamily="2" charset="-122"/>
+              </a:rPr>
+              <a:t>    Socket </a:t>
+            </a:r>
+            <a:r>
               <a:rPr lang="en-US" altLang="zh-CN" sz="1800" kern="0" dirty="0">
                 <a:solidFill>
                   <a:schemeClr val="tx1"/>
@@ -30505,27 +30523,7 @@
                 <a:latin typeface="微软雅黑" pitchFamily="34" charset="-122"/>
                 <a:ea typeface="宋体" pitchFamily="2" charset="-122"/>
               </a:rPr>
-              <a:t>Socket client = </a:t>
-            </a:r>
-            <a:r>
-              <a:rPr lang="en-US" altLang="zh-CN" sz="1800" kern="0" dirty="0" err="1">
-                <a:solidFill>
-                  <a:schemeClr val="tx1"/>
-                </a:solidFill>
-                <a:latin typeface="微软雅黑" pitchFamily="34" charset="-122"/>
-                <a:ea typeface="宋体" pitchFamily="2" charset="-122"/>
-              </a:rPr>
-              <a:t>server.accept</a:t>
-            </a:r>
-            <a:r>
-              <a:rPr lang="en-US" altLang="zh-CN" sz="1800" kern="0" dirty="0">
-                <a:solidFill>
-                  <a:schemeClr val="tx1"/>
-                </a:solidFill>
-                <a:latin typeface="微软雅黑" pitchFamily="34" charset="-122"/>
-                <a:ea typeface="宋体" pitchFamily="2" charset="-122"/>
-              </a:rPr>
-              <a:t>();</a:t>
+              <a:t>client = server.accept();</a:t>
             </a:r>
           </a:p>
           <a:p>
@@ -30535,14 +30533,14 @@
               </a:spcBef>
             </a:pPr>
             <a:r>
-              <a:rPr lang="en-US" altLang="zh-CN" sz="1800" kern="0" dirty="0">
-                <a:solidFill>
-                  <a:schemeClr val="tx1"/>
-                </a:solidFill>
-                <a:latin typeface="微软雅黑" pitchFamily="34" charset="-122"/>
-                <a:ea typeface="宋体" pitchFamily="2" charset="-122"/>
-              </a:rPr>
-              <a:t>// </a:t>
+              <a:rPr lang="en-US" altLang="zh-CN" sz="1800" kern="0" dirty="0" smtClean="0">
+                <a:solidFill>
+                  <a:schemeClr val="tx1"/>
+                </a:solidFill>
+                <a:latin typeface="微软雅黑" pitchFamily="34" charset="-122"/>
+                <a:ea typeface="宋体" pitchFamily="2" charset="-122"/>
+              </a:rPr>
+              <a:t>    // </a:t>
             </a:r>
             <a:r>
               <a:rPr lang="zh-CN" altLang="en-US" sz="1800" kern="0" dirty="0">
@@ -30562,14 +30560,14 @@
               </a:spcBef>
             </a:pPr>
             <a:r>
-              <a:rPr lang="en-US" altLang="zh-CN" sz="1800" kern="0" dirty="0" err="1">
-                <a:solidFill>
-                  <a:schemeClr val="tx1"/>
-                </a:solidFill>
-                <a:latin typeface="微软雅黑" pitchFamily="34" charset="-122"/>
-                <a:ea typeface="宋体" pitchFamily="2" charset="-122"/>
-              </a:rPr>
-              <a:t>InputStream</a:t>
+              <a:rPr lang="en-US" altLang="zh-CN" sz="1800" kern="0" dirty="0" smtClean="0">
+                <a:solidFill>
+                  <a:schemeClr val="tx1"/>
+                </a:solidFill>
+                <a:latin typeface="微软雅黑" pitchFamily="34" charset="-122"/>
+                <a:ea typeface="宋体" pitchFamily="2" charset="-122"/>
+              </a:rPr>
+              <a:t>    InputStream </a:t>
             </a:r>
             <a:r>
               <a:rPr lang="en-US" altLang="zh-CN" sz="1800" kern="0" dirty="0">
@@ -30579,27 +30577,7 @@
                 <a:latin typeface="微软雅黑" pitchFamily="34" charset="-122"/>
                 <a:ea typeface="宋体" pitchFamily="2" charset="-122"/>
               </a:rPr>
-              <a:t> is = </a:t>
-            </a:r>
-            <a:r>
-              <a:rPr lang="en-US" altLang="zh-CN" sz="1800" kern="0" dirty="0" err="1">
-                <a:solidFill>
-                  <a:schemeClr val="tx1"/>
-                </a:solidFill>
-                <a:latin typeface="微软雅黑" pitchFamily="34" charset="-122"/>
-                <a:ea typeface="宋体" pitchFamily="2" charset="-122"/>
-              </a:rPr>
-              <a:t>client.getInputStream</a:t>
-            </a:r>
-            <a:r>
-              <a:rPr lang="en-US" altLang="zh-CN" sz="1800" kern="0" dirty="0">
-                <a:solidFill>
-                  <a:schemeClr val="tx1"/>
-                </a:solidFill>
-                <a:latin typeface="微软雅黑" pitchFamily="34" charset="-122"/>
-                <a:ea typeface="宋体" pitchFamily="2" charset="-122"/>
-              </a:rPr>
-              <a:t>();</a:t>
+              <a:t>is = client.getInputStream();</a:t>
             </a:r>
           </a:p>
           <a:p>
@@ -30609,6 +30587,16 @@
               </a:spcBef>
             </a:pPr>
             <a:r>
+              <a:rPr lang="en-US" altLang="zh-CN" sz="1800" kern="0" dirty="0" smtClean="0">
+                <a:solidFill>
+                  <a:schemeClr val="tx1"/>
+                </a:solidFill>
+                <a:latin typeface="微软雅黑" pitchFamily="34" charset="-122"/>
+                <a:ea typeface="宋体" pitchFamily="2" charset="-122"/>
+              </a:rPr>
+              <a:t>    byte</a:t>
+            </a:r>
+            <a:r>
               <a:rPr lang="en-US" altLang="zh-CN" sz="1800" kern="0" dirty="0">
                 <a:solidFill>
                   <a:schemeClr val="tx1"/>
@@ -30616,7 +30604,7 @@
                 <a:latin typeface="微软雅黑" pitchFamily="34" charset="-122"/>
                 <a:ea typeface="宋体" pitchFamily="2" charset="-122"/>
               </a:rPr>
-              <a:t>byte[] b = new byte[1024];</a:t>
+              <a:t>[] b = new byte[1024];</a:t>
             </a:r>
           </a:p>
           <a:p>
@@ -30626,14 +30614,14 @@
               </a:spcBef>
             </a:pPr>
             <a:r>
-              <a:rPr lang="en-US" altLang="zh-CN" sz="1800" kern="0" dirty="0" err="1">
-                <a:solidFill>
-                  <a:schemeClr val="tx1"/>
-                </a:solidFill>
-                <a:latin typeface="微软雅黑" pitchFamily="34" charset="-122"/>
-                <a:ea typeface="宋体" pitchFamily="2" charset="-122"/>
-              </a:rPr>
-              <a:t>is.read</a:t>
+              <a:rPr lang="en-US" altLang="zh-CN" sz="1800" kern="0" dirty="0" smtClean="0">
+                <a:solidFill>
+                  <a:schemeClr val="tx1"/>
+                </a:solidFill>
+                <a:latin typeface="微软雅黑" pitchFamily="34" charset="-122"/>
+                <a:ea typeface="宋体" pitchFamily="2" charset="-122"/>
+              </a:rPr>
+              <a:t>    is.read(b</a:t>
             </a:r>
             <a:r>
               <a:rPr lang="en-US" altLang="zh-CN" sz="1800" kern="0" dirty="0">
@@ -30643,7 +30631,7 @@
                 <a:latin typeface="微软雅黑" pitchFamily="34" charset="-122"/>
                 <a:ea typeface="宋体" pitchFamily="2" charset="-122"/>
               </a:rPr>
-              <a:t>(b);</a:t>
+              <a:t>);</a:t>
             </a:r>
           </a:p>
           <a:p>
@@ -30653,6 +30641,16 @@
               </a:spcBef>
             </a:pPr>
             <a:r>
+              <a:rPr lang="en-US" altLang="zh-CN" sz="1800" kern="0" dirty="0" smtClean="0">
+                <a:solidFill>
+                  <a:schemeClr val="tx1"/>
+                </a:solidFill>
+                <a:latin typeface="微软雅黑" pitchFamily="34" charset="-122"/>
+                <a:ea typeface="宋体" pitchFamily="2" charset="-122"/>
+              </a:rPr>
+              <a:t>    String </a:t>
+            </a:r>
+            <a:r>
               <a:rPr lang="en-US" altLang="zh-CN" sz="1800" kern="0" dirty="0">
                 <a:solidFill>
                   <a:schemeClr val="tx1"/>
@@ -30660,7 +30658,7 @@
                 <a:latin typeface="微软雅黑" pitchFamily="34" charset="-122"/>
                 <a:ea typeface="宋体" pitchFamily="2" charset="-122"/>
               </a:rPr>
-              <a:t>String result = new String(b);</a:t>
+              <a:t>result = new String(b);</a:t>
             </a:r>
           </a:p>
           <a:p>
@@ -30670,14 +30668,14 @@
               </a:spcBef>
             </a:pPr>
             <a:r>
-              <a:rPr lang="en-US" altLang="zh-CN" sz="1800" kern="0" dirty="0" err="1">
-                <a:solidFill>
-                  <a:schemeClr val="tx1"/>
-                </a:solidFill>
-                <a:latin typeface="微软雅黑" pitchFamily="34" charset="-122"/>
-                <a:ea typeface="宋体" pitchFamily="2" charset="-122"/>
-              </a:rPr>
-              <a:t>System.out.println</a:t>
+              <a:rPr lang="en-US" altLang="zh-CN" sz="1800" kern="0" dirty="0" smtClean="0">
+                <a:solidFill>
+                  <a:schemeClr val="tx1"/>
+                </a:solidFill>
+                <a:latin typeface="微软雅黑" pitchFamily="34" charset="-122"/>
+                <a:ea typeface="宋体" pitchFamily="2" charset="-122"/>
+              </a:rPr>
+              <a:t>    System.out.println</a:t>
             </a:r>
             <a:r>
               <a:rPr lang="en-US" altLang="zh-CN" sz="1800" kern="0" dirty="0">
@@ -30754,7 +30752,7 @@
                 <a:latin typeface="微软雅黑" pitchFamily="34" charset="-122"/>
                 <a:ea typeface="宋体" pitchFamily="2" charset="-122"/>
               </a:rPr>
-              <a:t>// </a:t>
+              <a:t>    // </a:t>
             </a:r>
             <a:r>
               <a:rPr lang="zh-CN" altLang="en-US" sz="1800" kern="0" dirty="0">
@@ -30774,14 +30772,14 @@
               </a:spcBef>
             </a:pPr>
             <a:r>
-              <a:rPr lang="en-US" altLang="zh-CN" sz="1800" kern="0" dirty="0" err="1">
-                <a:solidFill>
-                  <a:schemeClr val="tx1"/>
-                </a:solidFill>
-                <a:latin typeface="微软雅黑" pitchFamily="34" charset="-122"/>
-                <a:ea typeface="宋体" pitchFamily="2" charset="-122"/>
-              </a:rPr>
-              <a:t>OutputStream</a:t>
+              <a:rPr lang="en-US" altLang="zh-CN" sz="1800" kern="0" dirty="0" smtClean="0">
+                <a:solidFill>
+                  <a:schemeClr val="tx1"/>
+                </a:solidFill>
+                <a:latin typeface="微软雅黑" pitchFamily="34" charset="-122"/>
+                <a:ea typeface="宋体" pitchFamily="2" charset="-122"/>
+              </a:rPr>
+              <a:t>    OutputStream </a:t>
             </a:r>
             <a:r>
               <a:rPr lang="en-US" altLang="zh-CN" sz="1800" kern="0" dirty="0">
@@ -30791,47 +30789,7 @@
                 <a:latin typeface="微软雅黑" pitchFamily="34" charset="-122"/>
                 <a:ea typeface="宋体" pitchFamily="2" charset="-122"/>
               </a:rPr>
-              <a:t> </a:t>
-            </a:r>
-            <a:r>
-              <a:rPr lang="en-US" altLang="zh-CN" sz="1800" kern="0" dirty="0" err="1">
-                <a:solidFill>
-                  <a:schemeClr val="tx1"/>
-                </a:solidFill>
-                <a:latin typeface="微软雅黑" pitchFamily="34" charset="-122"/>
-                <a:ea typeface="宋体" pitchFamily="2" charset="-122"/>
-              </a:rPr>
-              <a:t>os</a:t>
-            </a:r>
-            <a:r>
-              <a:rPr lang="en-US" altLang="zh-CN" sz="1800" kern="0" dirty="0">
-                <a:solidFill>
-                  <a:schemeClr val="tx1"/>
-                </a:solidFill>
-                <a:latin typeface="微软雅黑" pitchFamily="34" charset="-122"/>
-                <a:ea typeface="宋体" pitchFamily="2" charset="-122"/>
-              </a:rPr>
-              <a:t> = </a:t>
-            </a:r>
-            <a:r>
-              <a:rPr lang="en-US" altLang="zh-CN" sz="1800" kern="0" dirty="0" err="1">
-                <a:solidFill>
-                  <a:schemeClr val="tx1"/>
-                </a:solidFill>
-                <a:latin typeface="微软雅黑" pitchFamily="34" charset="-122"/>
-                <a:ea typeface="宋体" pitchFamily="2" charset="-122"/>
-              </a:rPr>
-              <a:t>client.getOutputStream</a:t>
-            </a:r>
-            <a:r>
-              <a:rPr lang="en-US" altLang="zh-CN" sz="1800" kern="0" dirty="0">
-                <a:solidFill>
-                  <a:schemeClr val="tx1"/>
-                </a:solidFill>
-                <a:latin typeface="微软雅黑" pitchFamily="34" charset="-122"/>
-                <a:ea typeface="宋体" pitchFamily="2" charset="-122"/>
-              </a:rPr>
-              <a:t>();</a:t>
+              <a:t>os = client.getOutputStream();</a:t>
             </a:r>
           </a:p>
           <a:p>
@@ -30841,14 +30799,14 @@
               </a:spcBef>
             </a:pPr>
             <a:r>
-              <a:rPr lang="en-US" altLang="zh-CN" sz="1800" kern="0" dirty="0" err="1">
-                <a:solidFill>
-                  <a:schemeClr val="tx1"/>
-                </a:solidFill>
-                <a:latin typeface="微软雅黑" pitchFamily="34" charset="-122"/>
-                <a:ea typeface="宋体" pitchFamily="2" charset="-122"/>
-              </a:rPr>
-              <a:t>os.write</a:t>
+              <a:rPr lang="en-US" altLang="zh-CN" sz="1800" kern="0" dirty="0" smtClean="0">
+                <a:solidFill>
+                  <a:schemeClr val="tx1"/>
+                </a:solidFill>
+                <a:latin typeface="微软雅黑" pitchFamily="34" charset="-122"/>
+                <a:ea typeface="宋体" pitchFamily="2" charset="-122"/>
+              </a:rPr>
+              <a:t>    os.write</a:t>
             </a:r>
             <a:r>
               <a:rPr lang="en-US" altLang="zh-CN" sz="1800" kern="0" dirty="0">
@@ -30858,27 +30816,7 @@
                 <a:latin typeface="微软雅黑" pitchFamily="34" charset="-122"/>
                 <a:ea typeface="宋体" pitchFamily="2" charset="-122"/>
               </a:rPr>
-              <a:t>(("this is server return string !").</a:t>
-            </a:r>
-            <a:r>
-              <a:rPr lang="en-US" altLang="zh-CN" sz="1800" kern="0" dirty="0" err="1">
-                <a:solidFill>
-                  <a:schemeClr val="tx1"/>
-                </a:solidFill>
-                <a:latin typeface="微软雅黑" pitchFamily="34" charset="-122"/>
-                <a:ea typeface="宋体" pitchFamily="2" charset="-122"/>
-              </a:rPr>
-              <a:t>getBytes</a:t>
-            </a:r>
-            <a:r>
-              <a:rPr lang="en-US" altLang="zh-CN" sz="1800" kern="0" dirty="0">
-                <a:solidFill>
-                  <a:schemeClr val="tx1"/>
-                </a:solidFill>
-                <a:latin typeface="微软雅黑" pitchFamily="34" charset="-122"/>
-                <a:ea typeface="宋体" pitchFamily="2" charset="-122"/>
-              </a:rPr>
-              <a:t>());</a:t>
+              <a:t>(("this is server return string !").getBytes());</a:t>
             </a:r>
           </a:p>
           <a:p>
@@ -30888,14 +30826,14 @@
               </a:spcBef>
             </a:pPr>
             <a:r>
-              <a:rPr lang="en-US" altLang="zh-CN" sz="1800" kern="0" dirty="0">
-                <a:solidFill>
-                  <a:schemeClr val="tx1"/>
-                </a:solidFill>
-                <a:latin typeface="微软雅黑" pitchFamily="34" charset="-122"/>
-                <a:ea typeface="宋体" pitchFamily="2" charset="-122"/>
-              </a:rPr>
-              <a:t>// </a:t>
+              <a:rPr lang="en-US" altLang="zh-CN" sz="1800" kern="0" dirty="0" smtClean="0">
+                <a:solidFill>
+                  <a:schemeClr val="tx1"/>
+                </a:solidFill>
+                <a:latin typeface="微软雅黑" pitchFamily="34" charset="-122"/>
+                <a:ea typeface="宋体" pitchFamily="2" charset="-122"/>
+              </a:rPr>
+              <a:t>    // </a:t>
             </a:r>
             <a:r>
               <a:rPr lang="zh-CN" altLang="en-US" sz="1800" kern="0" dirty="0">
@@ -30915,14 +30853,14 @@
               </a:spcBef>
             </a:pPr>
             <a:r>
-              <a:rPr lang="en-US" altLang="zh-CN" sz="1800" kern="0" dirty="0" err="1">
-                <a:solidFill>
-                  <a:schemeClr val="tx1"/>
-                </a:solidFill>
-                <a:latin typeface="微软雅黑" pitchFamily="34" charset="-122"/>
-                <a:ea typeface="宋体" pitchFamily="2" charset="-122"/>
-              </a:rPr>
-              <a:t>is.close</a:t>
+              <a:rPr lang="en-US" altLang="zh-CN" sz="1800" kern="0" dirty="0" smtClean="0">
+                <a:solidFill>
+                  <a:schemeClr val="tx1"/>
+                </a:solidFill>
+                <a:latin typeface="微软雅黑" pitchFamily="34" charset="-122"/>
+                <a:ea typeface="宋体" pitchFamily="2" charset="-122"/>
+              </a:rPr>
+              <a:t>    is.close</a:t>
             </a:r>
             <a:r>
               <a:rPr lang="en-US" altLang="zh-CN" sz="1800" kern="0" dirty="0">
@@ -30942,14 +30880,14 @@
               </a:spcBef>
             </a:pPr>
             <a:r>
-              <a:rPr lang="en-US" altLang="zh-CN" sz="1800" kern="0" dirty="0" err="1">
-                <a:solidFill>
-                  <a:schemeClr val="tx1"/>
-                </a:solidFill>
-                <a:latin typeface="微软雅黑" pitchFamily="34" charset="-122"/>
-                <a:ea typeface="宋体" pitchFamily="2" charset="-122"/>
-              </a:rPr>
-              <a:t>os.close</a:t>
+              <a:rPr lang="en-US" altLang="zh-CN" sz="1800" kern="0" dirty="0" smtClean="0">
+                <a:solidFill>
+                  <a:schemeClr val="tx1"/>
+                </a:solidFill>
+                <a:latin typeface="微软雅黑" pitchFamily="34" charset="-122"/>
+                <a:ea typeface="宋体" pitchFamily="2" charset="-122"/>
+              </a:rPr>
+              <a:t>    os.close</a:t>
             </a:r>
             <a:r>
               <a:rPr lang="en-US" altLang="zh-CN" sz="1800" kern="0" dirty="0">
@@ -30969,14 +30907,14 @@
               </a:spcBef>
             </a:pPr>
             <a:r>
-              <a:rPr lang="en-US" altLang="zh-CN" sz="1800" kern="0" dirty="0" err="1">
-                <a:solidFill>
-                  <a:schemeClr val="tx1"/>
-                </a:solidFill>
-                <a:latin typeface="微软雅黑" pitchFamily="34" charset="-122"/>
-                <a:ea typeface="宋体" pitchFamily="2" charset="-122"/>
-              </a:rPr>
-              <a:t>client.close</a:t>
+              <a:rPr lang="en-US" altLang="zh-CN" sz="1800" kern="0" dirty="0" smtClean="0">
+                <a:solidFill>
+                  <a:schemeClr val="tx1"/>
+                </a:solidFill>
+                <a:latin typeface="微软雅黑" pitchFamily="34" charset="-122"/>
+                <a:ea typeface="宋体" pitchFamily="2" charset="-122"/>
+              </a:rPr>
+              <a:t>    client.close</a:t>
             </a:r>
             <a:r>
               <a:rPr lang="en-US" altLang="zh-CN" sz="1800" kern="0" dirty="0">
@@ -30996,6 +30934,16 @@
               </a:spcBef>
             </a:pPr>
             <a:r>
+              <a:rPr lang="en-US" altLang="zh-CN" sz="1800" kern="0" dirty="0" smtClean="0">
+                <a:solidFill>
+                  <a:schemeClr val="tx1"/>
+                </a:solidFill>
+                <a:latin typeface="微软雅黑" pitchFamily="34" charset="-122"/>
+                <a:ea typeface="宋体" pitchFamily="2" charset="-122"/>
+              </a:rPr>
+              <a:t>    if </a:t>
+            </a:r>
+            <a:r>
               <a:rPr lang="en-US" altLang="zh-CN" sz="1800" kern="0" dirty="0">
                 <a:solidFill>
                   <a:schemeClr val="tx1"/>
@@ -31003,27 +30951,7 @@
                 <a:latin typeface="微软雅黑" pitchFamily="34" charset="-122"/>
                 <a:ea typeface="宋体" pitchFamily="2" charset="-122"/>
               </a:rPr>
-              <a:t>if (</a:t>
-            </a:r>
-            <a:r>
-              <a:rPr lang="en-US" altLang="zh-CN" sz="1800" kern="0" dirty="0" err="1">
-                <a:solidFill>
-                  <a:schemeClr val="tx1"/>
-                </a:solidFill>
-                <a:latin typeface="微软雅黑" pitchFamily="34" charset="-122"/>
-                <a:ea typeface="宋体" pitchFamily="2" charset="-122"/>
-              </a:rPr>
-              <a:t>result.startsWith</a:t>
-            </a:r>
-            <a:r>
-              <a:rPr lang="en-US" altLang="zh-CN" sz="1800" kern="0" dirty="0">
-                <a:solidFill>
-                  <a:schemeClr val="tx1"/>
-                </a:solidFill>
-                <a:latin typeface="微软雅黑" pitchFamily="34" charset="-122"/>
-                <a:ea typeface="宋体" pitchFamily="2" charset="-122"/>
-              </a:rPr>
-              <a:t>("exit")) {</a:t>
+              <a:t>(result.startsWith("exit")) {</a:t>
             </a:r>
           </a:p>
           <a:p>
@@ -31033,6 +30961,16 @@
               </a:spcBef>
             </a:pPr>
             <a:r>
+              <a:rPr lang="en-US" altLang="zh-CN" sz="1800" kern="0" dirty="0" smtClean="0">
+                <a:solidFill>
+                  <a:schemeClr val="tx1"/>
+                </a:solidFill>
+                <a:latin typeface="微软雅黑" pitchFamily="34" charset="-122"/>
+                <a:ea typeface="宋体" pitchFamily="2" charset="-122"/>
+              </a:rPr>
+              <a:t>        break</a:t>
+            </a:r>
+            <a:r>
               <a:rPr lang="en-US" altLang="zh-CN" sz="1800" kern="0" dirty="0">
                 <a:solidFill>
                   <a:schemeClr val="tx1"/>
@@ -31040,7 +30978,7 @@
                 <a:latin typeface="微软雅黑" pitchFamily="34" charset="-122"/>
                 <a:ea typeface="宋体" pitchFamily="2" charset="-122"/>
               </a:rPr>
-              <a:t>break;</a:t>
+              <a:t>;</a:t>
             </a:r>
           </a:p>
           <a:p>
@@ -31050,15 +30988,22 @@
               </a:spcBef>
             </a:pPr>
             <a:r>
-              <a:rPr lang="en-US" altLang="zh-CN" sz="1800" kern="0" dirty="0">
-                <a:solidFill>
-                  <a:schemeClr val="tx1"/>
-                </a:solidFill>
-                <a:latin typeface="微软雅黑" pitchFamily="34" charset="-122"/>
-                <a:ea typeface="宋体" pitchFamily="2" charset="-122"/>
-              </a:rPr>
-              <a:t>}</a:t>
-            </a:r>
+              <a:rPr lang="en-US" altLang="zh-CN" sz="1800" kern="0" dirty="0" smtClean="0">
+                <a:solidFill>
+                  <a:schemeClr val="tx1"/>
+                </a:solidFill>
+                <a:latin typeface="微软雅黑" pitchFamily="34" charset="-122"/>
+                <a:ea typeface="宋体" pitchFamily="2" charset="-122"/>
+              </a:rPr>
+              <a:t>    }</a:t>
+            </a:r>
+            <a:endParaRPr lang="en-US" altLang="zh-CN" sz="1800" kern="0" dirty="0">
+              <a:solidFill>
+                <a:schemeClr val="tx1"/>
+              </a:solidFill>
+              <a:latin typeface="微软雅黑" pitchFamily="34" charset="-122"/>
+              <a:ea typeface="宋体" pitchFamily="2" charset="-122"/>
+            </a:endParaRPr>
           </a:p>
           <a:p>
             <a:pPr eaLnBrk="0" hangingPunct="0">
@@ -34147,11 +34092,7 @@
             </a:pPr>
             <a:r>
               <a:rPr lang="zh-CN" altLang="en-US" dirty="0" smtClean="0"/>
-              <a:t>网络最主要的作用在于共享设备和传输数据</a:t>
-            </a:r>
-            <a:r>
-              <a:rPr lang="zh-CN" altLang="en-US" dirty="0" smtClean="0"/>
-              <a:t>。</a:t>
+              <a:t>网络最主要的作用在于共享设备和传输数据。</a:t>
             </a:r>
             <a:endParaRPr lang="en-US" altLang="zh-CN" dirty="0" smtClean="0"/>
           </a:p>
@@ -37905,21 +37846,21 @@
                 <a:gridCol w="1803331">
                   <a:extLst>
                     <a:ext uri="{9D8B030D-6E8A-4147-A177-3AD203B41FA5}">
-                      <a16:colId xmlns:a16="http://schemas.microsoft.com/office/drawing/2014/main" val="20000"/>
+                      <a16:colId xmlns:a16="http://schemas.microsoft.com/office/drawing/2014/main" xmlns="" val="20000"/>
                     </a:ext>
                   </a:extLst>
                 </a:gridCol>
                 <a:gridCol w="3506477">
                   <a:extLst>
                     <a:ext uri="{9D8B030D-6E8A-4147-A177-3AD203B41FA5}">
-                      <a16:colId xmlns:a16="http://schemas.microsoft.com/office/drawing/2014/main" val="20001"/>
+                      <a16:colId xmlns:a16="http://schemas.microsoft.com/office/drawing/2014/main" xmlns="" val="20001"/>
                     </a:ext>
                   </a:extLst>
                 </a:gridCol>
                 <a:gridCol w="3907215">
                   <a:extLst>
                     <a:ext uri="{9D8B030D-6E8A-4147-A177-3AD203B41FA5}">
-                      <a16:colId xmlns:a16="http://schemas.microsoft.com/office/drawing/2014/main" val="20002"/>
+                      <a16:colId xmlns:a16="http://schemas.microsoft.com/office/drawing/2014/main" xmlns="" val="20002"/>
                     </a:ext>
                   </a:extLst>
                 </a:gridCol>
@@ -37980,7 +37921,7 @@
                 </a:tc>
                 <a:extLst>
                   <a:ext uri="{0D108BD9-81ED-4DB2-BD59-A6C34878D82A}">
-                    <a16:rowId xmlns:a16="http://schemas.microsoft.com/office/drawing/2014/main" val="10000"/>
+                    <a16:rowId xmlns:a16="http://schemas.microsoft.com/office/drawing/2014/main" xmlns="" val="10000"/>
                   </a:ext>
                 </a:extLst>
               </a:tr>
@@ -38032,7 +37973,7 @@
                 </a:tc>
                 <a:extLst>
                   <a:ext uri="{0D108BD9-81ED-4DB2-BD59-A6C34878D82A}">
-                    <a16:rowId xmlns:a16="http://schemas.microsoft.com/office/drawing/2014/main" val="10001"/>
+                    <a16:rowId xmlns:a16="http://schemas.microsoft.com/office/drawing/2014/main" xmlns="" val="10001"/>
                   </a:ext>
                 </a:extLst>
               </a:tr>
@@ -38084,7 +38025,7 @@
                 </a:tc>
                 <a:extLst>
                   <a:ext uri="{0D108BD9-81ED-4DB2-BD59-A6C34878D82A}">
-                    <a16:rowId xmlns:a16="http://schemas.microsoft.com/office/drawing/2014/main" val="10002"/>
+                    <a16:rowId xmlns:a16="http://schemas.microsoft.com/office/drawing/2014/main" xmlns="" val="10002"/>
                   </a:ext>
                 </a:extLst>
               </a:tr>
@@ -38140,7 +38081,7 @@
                 </a:tc>
                 <a:extLst>
                   <a:ext uri="{0D108BD9-81ED-4DB2-BD59-A6C34878D82A}">
-                    <a16:rowId xmlns:a16="http://schemas.microsoft.com/office/drawing/2014/main" val="10003"/>
+                    <a16:rowId xmlns:a16="http://schemas.microsoft.com/office/drawing/2014/main" xmlns="" val="10003"/>
                   </a:ext>
                 </a:extLst>
               </a:tr>
@@ -38192,7 +38133,7 @@
                 </a:tc>
                 <a:extLst>
                   <a:ext uri="{0D108BD9-81ED-4DB2-BD59-A6C34878D82A}">
-                    <a16:rowId xmlns:a16="http://schemas.microsoft.com/office/drawing/2014/main" val="10004"/>
+                    <a16:rowId xmlns:a16="http://schemas.microsoft.com/office/drawing/2014/main" xmlns="" val="10004"/>
                   </a:ext>
                 </a:extLst>
               </a:tr>
@@ -44901,11 +44842,7 @@
             </a:r>
             <a:r>
               <a:rPr lang="zh-CN" altLang="en-US" dirty="0" smtClean="0"/>
-              <a:t>地址和端口确定服务器端程序</a:t>
-            </a:r>
-            <a:r>
-              <a:rPr lang="zh-CN" altLang="en-US" dirty="0" smtClean="0"/>
-              <a:t>）。</a:t>
+              <a:t>地址和端口确定服务器端程序）。</a:t>
             </a:r>
             <a:endParaRPr lang="en-US" altLang="zh-CN" dirty="0" smtClean="0"/>
           </a:p>
@@ -44917,11 +44854,7 @@
             </a:pPr>
             <a:r>
               <a:rPr lang="zh-CN" altLang="en-US" dirty="0" smtClean="0"/>
-              <a:t>客户端封装请求数据，发送给服务器端；客户端获得服务器端响应数据，解析并处理</a:t>
-            </a:r>
-            <a:r>
-              <a:rPr lang="zh-CN" altLang="en-US" dirty="0" smtClean="0"/>
-              <a:t>数据。</a:t>
+              <a:t>客户端封装请求数据，发送给服务器端；客户端获得服务器端响应数据，解析并处理数据。</a:t>
             </a:r>
             <a:endParaRPr lang="en-US" altLang="zh-CN" dirty="0" smtClean="0"/>
           </a:p>
@@ -44933,11 +44866,7 @@
             </a:pPr>
             <a:r>
               <a:rPr lang="zh-CN" altLang="en-US" dirty="0" smtClean="0"/>
-              <a:t>客户端关闭网络</a:t>
-            </a:r>
-            <a:r>
-              <a:rPr lang="zh-CN" altLang="en-US" dirty="0" smtClean="0"/>
-              <a:t>连接。</a:t>
+              <a:t>客户端关闭网络连接。</a:t>
             </a:r>
             <a:endParaRPr lang="en-US" altLang="zh-CN" dirty="0" smtClean="0"/>
           </a:p>
